--- a/Welcome to our Presentation.pptx
+++ b/Welcome to our Presentation.pptx
@@ -110,6 +110,22 @@
       </a:defRPr>
     </a:lvl9pPr>
   </p:defaultTextStyle>
+  <p:extLst>
+    <p:ext uri="{EFAFB233-063F-42B5-8137-9DF3F51BA10A}">
+      <p15:sldGuideLst xmlns:p15="http://schemas.microsoft.com/office/powerpoint/2012/main">
+        <p15:guide id="1" orient="horz" pos="2160">
+          <p15:clr>
+            <a:srgbClr val="A4A3A4"/>
+          </p15:clr>
+        </p15:guide>
+        <p15:guide id="2" pos="2880">
+          <p15:clr>
+            <a:srgbClr val="A4A3A4"/>
+          </p15:clr>
+        </p15:guide>
+      </p15:sldGuideLst>
+    </p:ext>
+  </p:extLst>
 </p:presentation>
 </file>
 
@@ -4988,7 +5004,7 @@
           <a:p>
             <a:fld id="{2790CC33-501E-4A96-B094-B2BD5CCD90D1}" type="datetimeFigureOut">
               <a:rPr lang="en-US" smtClean="0"/>
-              <a:t>8/21/2015</a:t>
+              <a:t>14-Feb-21</a:t>
             </a:fld>
             <a:endParaRPr lang="en-US"/>
           </a:p>
@@ -5273,7 +5289,7 @@
           <a:p>
             <a:fld id="{2790CC33-501E-4A96-B094-B2BD5CCD90D1}" type="datetimeFigureOut">
               <a:rPr lang="en-US" smtClean="0"/>
-              <a:t>8/21/2015</a:t>
+              <a:t>14-Feb-21</a:t>
             </a:fld>
             <a:endParaRPr lang="en-US"/>
           </a:p>
@@ -5448,7 +5464,7 @@
           <a:p>
             <a:fld id="{2790CC33-501E-4A96-B094-B2BD5CCD90D1}" type="datetimeFigureOut">
               <a:rPr lang="en-US" smtClean="0"/>
-              <a:t>8/21/2015</a:t>
+              <a:t>14-Feb-21</a:t>
             </a:fld>
             <a:endParaRPr lang="en-US"/>
           </a:p>
@@ -5613,7 +5629,7 @@
           <a:p>
             <a:fld id="{2790CC33-501E-4A96-B094-B2BD5CCD90D1}" type="datetimeFigureOut">
               <a:rPr lang="en-US" smtClean="0"/>
-              <a:t>8/21/2015</a:t>
+              <a:t>14-Feb-21</a:t>
             </a:fld>
             <a:endParaRPr lang="en-US"/>
           </a:p>
@@ -5854,7 +5870,7 @@
           <a:p>
             <a:fld id="{2790CC33-501E-4A96-B094-B2BD5CCD90D1}" type="datetimeFigureOut">
               <a:rPr lang="en-US" smtClean="0"/>
-              <a:t>8/21/2015</a:t>
+              <a:t>14-Feb-21</a:t>
             </a:fld>
             <a:endParaRPr lang="en-US"/>
           </a:p>
@@ -5967,7 +5983,7 @@
           <a:p>
             <a:fld id="{2790CC33-501E-4A96-B094-B2BD5CCD90D1}" type="datetimeFigureOut">
               <a:rPr lang="en-US" smtClean="0"/>
-              <a:t>8/21/2015</a:t>
+              <a:t>14-Feb-21</a:t>
             </a:fld>
             <a:endParaRPr lang="en-US"/>
           </a:p>
@@ -6506,7 +6522,7 @@
           <a:p>
             <a:fld id="{2790CC33-501E-4A96-B094-B2BD5CCD90D1}" type="datetimeFigureOut">
               <a:rPr lang="en-US" smtClean="0"/>
-              <a:t>8/21/2015</a:t>
+              <a:t>14-Feb-21</a:t>
             </a:fld>
             <a:endParaRPr lang="en-US"/>
           </a:p>
@@ -6619,7 +6635,7 @@
           <a:p>
             <a:fld id="{2790CC33-501E-4A96-B094-B2BD5CCD90D1}" type="datetimeFigureOut">
               <a:rPr lang="en-US" smtClean="0"/>
-              <a:t>8/21/2015</a:t>
+              <a:t>14-Feb-21</a:t>
             </a:fld>
             <a:endParaRPr lang="en-US"/>
           </a:p>
@@ -6709,7 +6725,7 @@
           <a:p>
             <a:fld id="{2790CC33-501E-4A96-B094-B2BD5CCD90D1}" type="datetimeFigureOut">
               <a:rPr lang="en-US" smtClean="0"/>
-              <a:t>8/21/2015</a:t>
+              <a:t>14-Feb-21</a:t>
             </a:fld>
             <a:endParaRPr lang="en-US"/>
           </a:p>
@@ -9360,7 +9376,7 @@
           <a:p>
             <a:fld id="{2790CC33-501E-4A96-B094-B2BD5CCD90D1}" type="datetimeFigureOut">
               <a:rPr lang="en-US" smtClean="0"/>
-              <a:t>8/21/2015</a:t>
+              <a:t>14-Feb-21</a:t>
             </a:fld>
             <a:endParaRPr lang="en-US"/>
           </a:p>
@@ -12572,7 +12588,7 @@
           <a:p>
             <a:fld id="{2790CC33-501E-4A96-B094-B2BD5CCD90D1}" type="datetimeFigureOut">
               <a:rPr lang="en-US" smtClean="0"/>
-              <a:t>8/21/2015</a:t>
+              <a:t>14-Feb-21</a:t>
             </a:fld>
             <a:endParaRPr lang="en-US"/>
           </a:p>
@@ -15394,7 +15410,7 @@
           <a:p>
             <a:fld id="{2790CC33-501E-4A96-B094-B2BD5CCD90D1}" type="datetimeFigureOut">
               <a:rPr lang="en-US" smtClean="0"/>
-              <a:t>8/21/2015</a:t>
+              <a:t>14-Feb-21</a:t>
             </a:fld>
             <a:endParaRPr lang="en-US"/>
           </a:p>
@@ -16545,7 +16561,7 @@
         <p:spPr>
           <a:xfrm>
             <a:off x="914400" y="2235323"/>
-            <a:ext cx="3297698" cy="1508105"/>
+            <a:ext cx="3332964" cy="1508105"/>
           </a:xfrm>
           <a:prstGeom prst="rect">
             <a:avLst/>
@@ -16564,8 +16580,13 @@
             </a:pPr>
             <a:r>
               <a:rPr lang="en-US" sz="2800" dirty="0" smtClean="0"/>
-              <a:t>Tasdikul Hasan</a:t>
+              <a:t>Soumit roy </a:t>
             </a:r>
+            <a:r>
+              <a:rPr lang="en-US" sz="2800" dirty="0" err="1" smtClean="0"/>
+              <a:t>dipta</a:t>
+            </a:r>
+            <a:endParaRPr lang="en-US" sz="2800" dirty="0" smtClean="0"/>
           </a:p>
           <a:p>
             <a:pPr marL="285750" indent="-285750">
@@ -16574,8 +16595,9 @@
             </a:pPr>
             <a:r>
               <a:rPr lang="en-US" sz="2800" dirty="0" smtClean="0"/>
-              <a:t>ID:2015-1-60-141</a:t>
+              <a:t>ID:2015-1-60-185</a:t>
             </a:r>
+            <a:endParaRPr lang="en-US" sz="2800" dirty="0" smtClean="0"/>
           </a:p>
           <a:p>
             <a:endParaRPr lang="en-US" dirty="0"/>
